--- a/template/cover.pptx
+++ b/template/cover.pptx
@@ -336,7 +336,7 @@
           <a:p>
             <a:fld id="{E50F295A-86F0-7549-A46D-3D7D130C0126}" type="datetimeFigureOut">
               <a:rPr lang="en-US" smtClean="0"/>
-              <a:t>5/17/18</a:t>
+              <a:t>5/24/18</a:t>
             </a:fld>
             <a:endParaRPr lang="en-US"/>
           </a:p>
@@ -635,7 +635,7 @@
           <a:p>
             <a:fld id="{E50F295A-86F0-7549-A46D-3D7D130C0126}" type="datetimeFigureOut">
               <a:rPr lang="en-US" smtClean="0"/>
-              <a:t>5/17/18</a:t>
+              <a:t>5/24/18</a:t>
             </a:fld>
             <a:endParaRPr lang="en-US"/>
           </a:p>
@@ -908,7 +908,7 @@
           <a:p>
             <a:fld id="{E50F295A-86F0-7549-A46D-3D7D130C0126}" type="datetimeFigureOut">
               <a:rPr lang="en-US" smtClean="0"/>
-              <a:t>5/17/18</a:t>
+              <a:t>5/24/18</a:t>
             </a:fld>
             <a:endParaRPr lang="en-US"/>
           </a:p>
@@ -1473,7 +1473,7 @@
           <a:p>
             <a:fld id="{E50F295A-86F0-7549-A46D-3D7D130C0126}" type="datetimeFigureOut">
               <a:rPr lang="en-US" smtClean="0"/>
-              <a:t>5/17/18</a:t>
+              <a:t>5/24/18</a:t>
             </a:fld>
             <a:endParaRPr lang="en-US"/>
           </a:p>
@@ -1746,7 +1746,7 @@
           <a:p>
             <a:fld id="{E50F295A-86F0-7549-A46D-3D7D130C0126}" type="datetimeFigureOut">
               <a:rPr lang="en-US" smtClean="0"/>
-              <a:t>5/17/18</a:t>
+              <a:t>5/24/18</a:t>
             </a:fld>
             <a:endParaRPr lang="en-US"/>
           </a:p>
@@ -2303,7 +2303,7 @@
           <a:p>
             <a:fld id="{E50F295A-86F0-7549-A46D-3D7D130C0126}" type="datetimeFigureOut">
               <a:rPr lang="en-US" smtClean="0"/>
-              <a:t>5/17/18</a:t>
+              <a:t>5/24/18</a:t>
             </a:fld>
             <a:endParaRPr lang="en-US"/>
           </a:p>
@@ -2625,7 +2625,7 @@
           <a:p>
             <a:fld id="{E50F295A-86F0-7549-A46D-3D7D130C0126}" type="datetimeFigureOut">
               <a:rPr lang="en-US" smtClean="0"/>
-              <a:t>5/17/18</a:t>
+              <a:t>5/24/18</a:t>
             </a:fld>
             <a:endParaRPr lang="en-US"/>
           </a:p>
@@ -2831,7 +2831,7 @@
           <a:p>
             <a:fld id="{E50F295A-86F0-7549-A46D-3D7D130C0126}" type="datetimeFigureOut">
               <a:rPr lang="en-US" smtClean="0"/>
-              <a:t>5/17/18</a:t>
+              <a:t>5/24/18</a:t>
             </a:fld>
             <a:endParaRPr lang="en-US"/>
           </a:p>
@@ -3042,7 +3042,7 @@
           <a:p>
             <a:fld id="{E50F295A-86F0-7549-A46D-3D7D130C0126}" type="datetimeFigureOut">
               <a:rPr lang="en-US" smtClean="0"/>
-              <a:t>5/17/18</a:t>
+              <a:t>5/24/18</a:t>
             </a:fld>
             <a:endParaRPr lang="en-US"/>
           </a:p>
@@ -3243,7 +3243,7 @@
           <a:p>
             <a:fld id="{E50F295A-86F0-7549-A46D-3D7D130C0126}" type="datetimeFigureOut">
               <a:rPr lang="en-US" smtClean="0"/>
-              <a:t>5/17/18</a:t>
+              <a:t>5/24/18</a:t>
             </a:fld>
             <a:endParaRPr lang="en-US"/>
           </a:p>
@@ -3516,7 +3516,7 @@
           <a:p>
             <a:fld id="{E50F295A-86F0-7549-A46D-3D7D130C0126}" type="datetimeFigureOut">
               <a:rPr lang="en-US" smtClean="0"/>
-              <a:t>5/17/18</a:t>
+              <a:t>5/24/18</a:t>
             </a:fld>
             <a:endParaRPr lang="en-US"/>
           </a:p>
@@ -3777,7 +3777,7 @@
           <a:p>
             <a:fld id="{E50F295A-86F0-7549-A46D-3D7D130C0126}" type="datetimeFigureOut">
               <a:rPr lang="en-US" smtClean="0"/>
-              <a:t>5/17/18</a:t>
+              <a:t>5/24/18</a:t>
             </a:fld>
             <a:endParaRPr lang="en-US"/>
           </a:p>
@@ -4178,7 +4178,7 @@
           <a:p>
             <a:fld id="{E50F295A-86F0-7549-A46D-3D7D130C0126}" type="datetimeFigureOut">
               <a:rPr lang="en-US" smtClean="0"/>
-              <a:t>5/17/18</a:t>
+              <a:t>5/24/18</a:t>
             </a:fld>
             <a:endParaRPr lang="en-US"/>
           </a:p>
@@ -4332,7 +4332,7 @@
           <a:p>
             <a:fld id="{E50F295A-86F0-7549-A46D-3D7D130C0126}" type="datetimeFigureOut">
               <a:rPr lang="en-US" smtClean="0"/>
-              <a:t>5/17/18</a:t>
+              <a:t>5/24/18</a:t>
             </a:fld>
             <a:endParaRPr lang="en-US"/>
           </a:p>
@@ -4452,7 +4452,7 @@
           <a:p>
             <a:fld id="{E50F295A-86F0-7549-A46D-3D7D130C0126}" type="datetimeFigureOut">
               <a:rPr lang="en-US" smtClean="0"/>
-              <a:t>5/17/18</a:t>
+              <a:t>5/24/18</a:t>
             </a:fld>
             <a:endParaRPr lang="en-US"/>
           </a:p>
@@ -4732,7 +4732,7 @@
           <a:p>
             <a:fld id="{E50F295A-86F0-7549-A46D-3D7D130C0126}" type="datetimeFigureOut">
               <a:rPr lang="en-US" smtClean="0"/>
-              <a:t>5/17/18</a:t>
+              <a:t>5/24/18</a:t>
             </a:fld>
             <a:endParaRPr lang="en-US"/>
           </a:p>
@@ -5021,7 +5021,7 @@
           <a:p>
             <a:fld id="{E50F295A-86F0-7549-A46D-3D7D130C0126}" type="datetimeFigureOut">
               <a:rPr lang="en-US" smtClean="0"/>
-              <a:t>5/17/18</a:t>
+              <a:t>5/24/18</a:t>
             </a:fld>
             <a:endParaRPr lang="en-US"/>
           </a:p>
@@ -5230,7 +5230,7 @@
           <a:p>
             <a:fld id="{E50F295A-86F0-7549-A46D-3D7D130C0126}" type="datetimeFigureOut">
               <a:rPr lang="en-US" smtClean="0"/>
-              <a:t>5/17/18</a:t>
+              <a:t>5/24/18</a:t>
             </a:fld>
             <a:endParaRPr lang="en-US"/>
           </a:p>
@@ -5767,11 +5767,7 @@
           <a:p>
             <a:r>
               <a:rPr lang="en-US" sz="7200" b="1" dirty="0" smtClean="0"/>
-              <a:t>Cloud </a:t>
-            </a:r>
-            <a:r>
-              <a:rPr lang="en-US" sz="7200" b="1" dirty="0" smtClean="0"/>
-              <a:t>Technologies</a:t>
+              <a:t>Cloud Technologies</a:t>
             </a:r>
             <a:endParaRPr lang="en-US" sz="7200" b="1" dirty="0"/>
           </a:p>
@@ -5787,9 +5783,16 @@
             <p:ph idx="1"/>
           </p:nvPr>
         </p:nvSpPr>
-        <p:spPr/>
-        <p:txBody>
-          <a:bodyPr/>
+        <p:spPr>
+          <a:xfrm>
+            <a:off x="365760" y="3544036"/>
+            <a:ext cx="6217920" cy="5352062"/>
+          </a:xfrm>
+        </p:spPr>
+        <p:txBody>
+          <a:bodyPr>
+            <a:normAutofit lnSpcReduction="10000"/>
+          </a:bodyPr>
           <a:lstStyle/>
           <a:p>
             <a:pPr marL="0" indent="0" algn="ctr">
@@ -5821,7 +5824,6 @@
               <a:rPr lang="en-US" sz="2400" dirty="0" smtClean="0"/>
               <a:t>_________________________</a:t>
             </a:r>
-            <a:endParaRPr lang="en-US" sz="2400" dirty="0" smtClean="0"/>
           </a:p>
           <a:p>
             <a:pPr marL="0" indent="0">
@@ -5835,7 +5837,11 @@
             </a:pPr>
             <a:r>
               <a:rPr lang="en-US" sz="3200" dirty="0" smtClean="0"/>
-              <a:t>Gregor von Laszewski</a:t>
+              <a:t>Gregor von </a:t>
+            </a:r>
+            <a:r>
+              <a:rPr lang="en-US" sz="3200" dirty="0" smtClean="0"/>
+              <a:t>Laszewski</a:t>
             </a:r>
           </a:p>
           <a:p>
@@ -5844,9 +5850,43 @@
             </a:pPr>
             <a:r>
               <a:rPr lang="en-US" sz="3200" dirty="0" err="1" smtClean="0"/>
+              <a:t>Fugang</a:t>
+            </a:r>
+            <a:r>
+              <a:rPr lang="en-US" sz="3200" dirty="0" smtClean="0"/>
+              <a:t> Wang</a:t>
+            </a:r>
+          </a:p>
+          <a:p>
+            <a:pPr marL="0" indent="0" algn="ctr">
+              <a:buNone/>
+            </a:pPr>
+            <a:r>
+              <a:rPr lang="en-US" sz="3200" dirty="0" smtClean="0"/>
+              <a:t>Geoffrey C. Fox</a:t>
+            </a:r>
+          </a:p>
+          <a:p>
+            <a:pPr marL="0" indent="0" algn="ctr">
+              <a:buNone/>
+            </a:pPr>
+            <a:endParaRPr lang="en-US" sz="3200" dirty="0"/>
+          </a:p>
+          <a:p>
+            <a:pPr marL="0" indent="0" algn="ctr">
+              <a:buNone/>
+            </a:pPr>
+            <a:endParaRPr lang="en-US" sz="3200" dirty="0" smtClean="0"/>
+          </a:p>
+          <a:p>
+            <a:pPr marL="0" indent="0" algn="ctr">
+              <a:buNone/>
+            </a:pPr>
+            <a:r>
+              <a:rPr lang="en-US" sz="2400" dirty="0" err="1" smtClean="0"/>
               <a:t>laszewski@gmail.com</a:t>
             </a:r>
-            <a:endParaRPr lang="en-US" sz="3200" dirty="0" smtClean="0"/>
+            <a:endParaRPr lang="en-US" sz="2400" dirty="0" smtClean="0"/>
           </a:p>
           <a:p>
             <a:pPr marL="0" indent="0">
